--- a/release-as-code/201611117 Release-as-code design sprint.pptx
+++ b/release-as-code/201611117 Release-as-code design sprint.pptx
@@ -2202,7 +2202,15 @@
           <a:p>
             <a:r>
               <a:rPr lang="en-US" dirty="0" smtClean="0"/>
-              <a:t>Decisions</a:t>
+              <a:t>Choices/</a:t>
+            </a:r>
+            <a:r>
+              <a:rPr lang="en-US" dirty="0"/>
+              <a:t>d</a:t>
+            </a:r>
+            <a:r>
+              <a:rPr lang="en-US" dirty="0" smtClean="0"/>
+              <a:t>ecisions</a:t>
             </a:r>
             <a:endParaRPr lang="en-US" dirty="0"/>
           </a:p>
@@ -2376,7 +2384,11 @@
             </a:pPr>
             <a:r>
               <a:rPr lang="en-US" dirty="0" smtClean="0"/>
-              <a:t>Automatically setup multiple templates for maintenance branches, from the command line.</a:t>
+              <a:t>Automatically setup multiple templates for maintenance branches, from the command line</a:t>
+            </a:r>
+            <a:r>
+              <a:rPr lang="en-US" dirty="0" smtClean="0"/>
+              <a:t>.</a:t>
             </a:r>
           </a:p>
           <a:p>
@@ -2384,10 +2396,7 @@
               <a:buFont typeface="+mj-lt"/>
               <a:buAutoNum type="arabicPeriod"/>
             </a:pPr>
-            <a:r>
-              <a:rPr lang="en-US" dirty="0" smtClean="0"/>
-              <a:t>Automatically setup new teams, from a script task.</a:t>
-            </a:r>
+            <a:endParaRPr lang="en-US" dirty="0" smtClean="0"/>
           </a:p>
           <a:p>
             <a:pPr marL="457200" indent="-457200">
@@ -2396,13 +2405,29 @@
             </a:pPr>
             <a:r>
               <a:rPr lang="en-US" dirty="0" smtClean="0"/>
-              <a:t>Run a dynamically generated release, from a </a:t>
-            </a:r>
-            <a:r>
-              <a:rPr lang="en-US" smtClean="0"/>
-              <a:t>trigger.</a:t>
-            </a:r>
+              <a:t>Automatically setup new teams, from a script task</a:t>
+            </a:r>
+            <a:r>
+              <a:rPr lang="en-US" dirty="0" smtClean="0"/>
+              <a:t>.</a:t>
+            </a:r>
+          </a:p>
+          <a:p>
+            <a:pPr marL="457200" indent="-457200">
+              <a:buFont typeface="+mj-lt"/>
+              <a:buAutoNum type="arabicPeriod"/>
+            </a:pPr>
             <a:endParaRPr lang="en-US" dirty="0" smtClean="0"/>
+          </a:p>
+          <a:p>
+            <a:pPr marL="457200" indent="-457200">
+              <a:buFont typeface="+mj-lt"/>
+              <a:buAutoNum type="arabicPeriod"/>
+            </a:pPr>
+            <a:r>
+              <a:rPr lang="en-US" dirty="0" smtClean="0"/>
+              <a:t>Run a dynamically generated release, from a trigger.</a:t>
+            </a:r>
           </a:p>
           <a:p>
             <a:pPr marL="457200" indent="-457200">
